--- a/ECE2031Presentation.pptx
+++ b/ECE2031Presentation.pptx
@@ -233,6 +233,11 @@
       </a:defRPr>
     </a:lvl9pPr>
   </p:defaultTextStyle>
+  <p:extLst>
+    <p:ext uri="{EFAFB233-063F-42B5-8137-9DF3F51BA10A}">
+      <p15:sldGuideLst xmlns:p15="http://schemas.microsoft.com/office/powerpoint/2012/main"/>
+    </p:ext>
+  </p:extLst>
 </p:presentation>
 </file>
 
@@ -1180,6 +1185,11 @@
         </p:txBody>
       </p:sp>
     </p:spTree>
+    <p:extLst>
+      <p:ext uri="{BB962C8B-B14F-4D97-AF65-F5344CB8AC3E}">
+        <p14:creationId xmlns:p14="http://schemas.microsoft.com/office/powerpoint/2010/main" val="3977068800"/>
+      </p:ext>
+    </p:extLst>
   </p:cSld>
   <p:clrMap bg1="lt1" tx1="dk1" bg2="dk2" tx2="lt2" accent1="accent1" accent2="accent2" accent3="accent3" accent4="accent4" accent5="accent5" accent6="accent6" hlink="hlink" folHlink="folHlink"/>
   <p:notesStyle>
@@ -1453,6 +1463,11 @@
         </p:txBody>
       </p:sp>
     </p:spTree>
+    <p:extLst>
+      <p:ext uri="{BB962C8B-B14F-4D97-AF65-F5344CB8AC3E}">
+        <p14:creationId xmlns:p14="http://schemas.microsoft.com/office/powerpoint/2010/main" val="3683556500"/>
+      </p:ext>
+    </p:extLst>
   </p:cSld>
   <p:clrMapOvr>
     <a:masterClrMapping/>
@@ -1601,6 +1616,11 @@
         </p:txBody>
       </p:sp>
     </p:spTree>
+    <p:extLst>
+      <p:ext uri="{BB962C8B-B14F-4D97-AF65-F5344CB8AC3E}">
+        <p14:creationId xmlns:p14="http://schemas.microsoft.com/office/powerpoint/2010/main" val="671027366"/>
+      </p:ext>
+    </p:extLst>
   </p:cSld>
   <p:clrMapOvr>
     <a:masterClrMapping/>
@@ -1749,6 +1769,11 @@
         </p:txBody>
       </p:sp>
     </p:spTree>
+    <p:extLst>
+      <p:ext uri="{BB962C8B-B14F-4D97-AF65-F5344CB8AC3E}">
+        <p14:creationId xmlns:p14="http://schemas.microsoft.com/office/powerpoint/2010/main" val="299740061"/>
+      </p:ext>
+    </p:extLst>
   </p:cSld>
   <p:clrMapOvr>
     <a:masterClrMapping/>
@@ -1894,6 +1919,11 @@
         </p:txBody>
       </p:sp>
     </p:spTree>
+    <p:extLst>
+      <p:ext uri="{BB962C8B-B14F-4D97-AF65-F5344CB8AC3E}">
+        <p14:creationId xmlns:p14="http://schemas.microsoft.com/office/powerpoint/2010/main" val="1736753368"/>
+      </p:ext>
+    </p:extLst>
   </p:cSld>
   <p:clrMapOvr>
     <a:masterClrMapping/>
@@ -2042,6 +2072,11 @@
         </p:txBody>
       </p:sp>
     </p:spTree>
+    <p:extLst>
+      <p:ext uri="{BB962C8B-B14F-4D97-AF65-F5344CB8AC3E}">
+        <p14:creationId xmlns:p14="http://schemas.microsoft.com/office/powerpoint/2010/main" val="1397700406"/>
+      </p:ext>
+    </p:extLst>
   </p:cSld>
   <p:clrMapOvr>
     <a:masterClrMapping/>
@@ -2190,6 +2225,11 @@
         </p:txBody>
       </p:sp>
     </p:spTree>
+    <p:extLst>
+      <p:ext uri="{BB962C8B-B14F-4D97-AF65-F5344CB8AC3E}">
+        <p14:creationId xmlns:p14="http://schemas.microsoft.com/office/powerpoint/2010/main" val="1180506769"/>
+      </p:ext>
+    </p:extLst>
   </p:cSld>
   <p:clrMapOvr>
     <a:masterClrMapping/>
@@ -2335,6 +2375,11 @@
         </p:txBody>
       </p:sp>
     </p:spTree>
+    <p:extLst>
+      <p:ext uri="{BB962C8B-B14F-4D97-AF65-F5344CB8AC3E}">
+        <p14:creationId xmlns:p14="http://schemas.microsoft.com/office/powerpoint/2010/main" val="4214683248"/>
+      </p:ext>
+    </p:extLst>
   </p:cSld>
   <p:clrMapOvr>
     <a:masterClrMapping/>
@@ -2480,6 +2525,11 @@
         </p:txBody>
       </p:sp>
     </p:spTree>
+    <p:extLst>
+      <p:ext uri="{BB962C8B-B14F-4D97-AF65-F5344CB8AC3E}">
+        <p14:creationId xmlns:p14="http://schemas.microsoft.com/office/powerpoint/2010/main" val="4188608549"/>
+      </p:ext>
+    </p:extLst>
   </p:cSld>
   <p:clrMapOvr>
     <a:masterClrMapping/>
@@ -2637,6 +2687,11 @@
         </p:txBody>
       </p:sp>
     </p:spTree>
+    <p:extLst>
+      <p:ext uri="{BB962C8B-B14F-4D97-AF65-F5344CB8AC3E}">
+        <p14:creationId xmlns:p14="http://schemas.microsoft.com/office/powerpoint/2010/main" val="1699498654"/>
+      </p:ext>
+    </p:extLst>
   </p:cSld>
   <p:clrMapOvr>
     <a:masterClrMapping/>
@@ -2785,6 +2840,11 @@
         </p:txBody>
       </p:sp>
     </p:spTree>
+    <p:extLst>
+      <p:ext uri="{BB962C8B-B14F-4D97-AF65-F5344CB8AC3E}">
+        <p14:creationId xmlns:p14="http://schemas.microsoft.com/office/powerpoint/2010/main" val="3468936544"/>
+      </p:ext>
+    </p:extLst>
   </p:cSld>
   <p:clrMapOvr>
     <a:masterClrMapping/>
@@ -2933,6 +2993,11 @@
         </p:txBody>
       </p:sp>
     </p:spTree>
+    <p:extLst>
+      <p:ext uri="{BB962C8B-B14F-4D97-AF65-F5344CB8AC3E}">
+        <p14:creationId xmlns:p14="http://schemas.microsoft.com/office/powerpoint/2010/main" val="1082810433"/>
+      </p:ext>
+    </p:extLst>
   </p:cSld>
   <p:clrMapOvr>
     <a:masterClrMapping/>
@@ -3037,6 +3102,11 @@
         </p:spPr>
       </p:sp>
     </p:spTree>
+    <p:extLst>
+      <p:ext uri="{BB962C8B-B14F-4D97-AF65-F5344CB8AC3E}">
+        <p14:creationId xmlns:p14="http://schemas.microsoft.com/office/powerpoint/2010/main" val="1396945344"/>
+      </p:ext>
+    </p:extLst>
   </p:cSld>
   <p:clrMapOvr>
     <a:masterClrMapping/>
@@ -3182,6 +3252,11 @@
         </p:txBody>
       </p:sp>
     </p:spTree>
+    <p:extLst>
+      <p:ext uri="{BB962C8B-B14F-4D97-AF65-F5344CB8AC3E}">
+        <p14:creationId xmlns:p14="http://schemas.microsoft.com/office/powerpoint/2010/main" val="3398834320"/>
+      </p:ext>
+    </p:extLst>
   </p:cSld>
   <p:clrMapOvr>
     <a:masterClrMapping/>
@@ -3330,6 +3405,11 @@
         </p:txBody>
       </p:sp>
     </p:spTree>
+    <p:extLst>
+      <p:ext uri="{BB962C8B-B14F-4D97-AF65-F5344CB8AC3E}">
+        <p14:creationId xmlns:p14="http://schemas.microsoft.com/office/powerpoint/2010/main" val="3354264695"/>
+      </p:ext>
+    </p:extLst>
   </p:cSld>
   <p:clrMapOvr>
     <a:masterClrMapping/>
@@ -3478,6 +3558,11 @@
         </p:txBody>
       </p:sp>
     </p:spTree>
+    <p:extLst>
+      <p:ext uri="{BB962C8B-B14F-4D97-AF65-F5344CB8AC3E}">
+        <p14:creationId xmlns:p14="http://schemas.microsoft.com/office/powerpoint/2010/main" val="3589375627"/>
+      </p:ext>
+    </p:extLst>
   </p:cSld>
   <p:clrMapOvr>
     <a:masterClrMapping/>
@@ -3626,6 +3711,11 @@
         </p:txBody>
       </p:sp>
     </p:spTree>
+    <p:extLst>
+      <p:ext uri="{BB962C8B-B14F-4D97-AF65-F5344CB8AC3E}">
+        <p14:creationId xmlns:p14="http://schemas.microsoft.com/office/powerpoint/2010/main" val="6696354"/>
+      </p:ext>
+    </p:extLst>
   </p:cSld>
   <p:clrMapOvr>
     <a:masterClrMapping/>
@@ -3771,6 +3861,11 @@
         </p:txBody>
       </p:sp>
     </p:spTree>
+    <p:extLst>
+      <p:ext uri="{BB962C8B-B14F-4D97-AF65-F5344CB8AC3E}">
+        <p14:creationId xmlns:p14="http://schemas.microsoft.com/office/powerpoint/2010/main" val="3484492843"/>
+      </p:ext>
+    </p:extLst>
   </p:cSld>
   <p:clrMapOvr>
     <a:masterClrMapping/>
@@ -3919,6 +4014,11 @@
         </p:txBody>
       </p:sp>
     </p:spTree>
+    <p:extLst>
+      <p:ext uri="{BB962C8B-B14F-4D97-AF65-F5344CB8AC3E}">
+        <p14:creationId xmlns:p14="http://schemas.microsoft.com/office/powerpoint/2010/main" val="1882830076"/>
+      </p:ext>
+    </p:extLst>
   </p:cSld>
   <p:clrMapOvr>
     <a:masterClrMapping/>
@@ -4064,6 +4164,11 @@
         </p:txBody>
       </p:sp>
     </p:spTree>
+    <p:extLst>
+      <p:ext uri="{BB962C8B-B14F-4D97-AF65-F5344CB8AC3E}">
+        <p14:creationId xmlns:p14="http://schemas.microsoft.com/office/powerpoint/2010/main" val="3282016361"/>
+      </p:ext>
+    </p:extLst>
   </p:cSld>
   <p:clrMapOvr>
     <a:masterClrMapping/>
@@ -4212,6 +4317,11 @@
         </p:txBody>
       </p:sp>
     </p:spTree>
+    <p:extLst>
+      <p:ext uri="{BB962C8B-B14F-4D97-AF65-F5344CB8AC3E}">
+        <p14:creationId xmlns:p14="http://schemas.microsoft.com/office/powerpoint/2010/main" val="3656328209"/>
+      </p:ext>
+    </p:extLst>
   </p:cSld>
   <p:clrMapOvr>
     <a:masterClrMapping/>
@@ -20295,6 +20405,13 @@
   <p:clrMapOvr>
     <a:masterClrMapping/>
   </p:clrMapOvr>
+  <p:timing>
+    <p:tnLst>
+      <p:par>
+        <p:cTn id="1" dur="indefinite" restart="never" nodeType="tmRoot"/>
+      </p:par>
+    </p:tnLst>
+  </p:timing>
 </p:sld>
 </file>
 
@@ -20503,6 +20620,13 @@
   <p:clrMapOvr>
     <a:masterClrMapping/>
   </p:clrMapOvr>
+  <p:timing>
+    <p:tnLst>
+      <p:par>
+        <p:cTn id="1" dur="indefinite" restart="never" nodeType="tmRoot"/>
+      </p:par>
+    </p:tnLst>
+  </p:timing>
 </p:sld>
 </file>
 
@@ -21118,6 +21242,13 @@
   <p:clrMapOvr>
     <a:masterClrMapping/>
   </p:clrMapOvr>
+  <p:timing>
+    <p:tnLst>
+      <p:par>
+        <p:cTn id="1" dur="indefinite" restart="never" nodeType="tmRoot"/>
+      </p:par>
+    </p:tnLst>
+  </p:timing>
 </p:sld>
 </file>
 
@@ -21382,6 +21513,13 @@
   <p:clrMapOvr>
     <a:masterClrMapping/>
   </p:clrMapOvr>
+  <p:timing>
+    <p:tnLst>
+      <p:par>
+        <p:cTn id="1" dur="indefinite" restart="never" nodeType="tmRoot"/>
+      </p:par>
+    </p:tnLst>
+  </p:timing>
 </p:sld>
 </file>
 
@@ -21592,6 +21730,13 @@
   <p:clrMapOvr>
     <a:masterClrMapping/>
   </p:clrMapOvr>
+  <p:timing>
+    <p:tnLst>
+      <p:par>
+        <p:cTn id="1" dur="indefinite" restart="never" nodeType="tmRoot"/>
+      </p:par>
+    </p:tnLst>
+  </p:timing>
 </p:sld>
 </file>
 
@@ -22113,6 +22258,13 @@
   <p:clrMapOvr>
     <a:masterClrMapping/>
   </p:clrMapOvr>
+  <p:timing>
+    <p:tnLst>
+      <p:par>
+        <p:cTn id="1" dur="indefinite" restart="never" nodeType="tmRoot"/>
+      </p:par>
+    </p:tnLst>
+  </p:timing>
 </p:sld>
 </file>
 
@@ -22259,6 +22411,13 @@
   <p:clrMapOvr>
     <a:masterClrMapping/>
   </p:clrMapOvr>
+  <p:timing>
+    <p:tnLst>
+      <p:par>
+        <p:cTn id="1" dur="indefinite" restart="never" nodeType="tmRoot"/>
+      </p:par>
+    </p:tnLst>
+  </p:timing>
 </p:sld>
 </file>
 
@@ -22405,6 +22564,13 @@
   <p:clrMapOvr>
     <a:masterClrMapping/>
   </p:clrMapOvr>
+  <p:timing>
+    <p:tnLst>
+      <p:par>
+        <p:cTn id="1" dur="indefinite" restart="never" nodeType="tmRoot"/>
+      </p:par>
+    </p:tnLst>
+  </p:timing>
 </p:sld>
 </file>
 
@@ -22649,6 +22815,13 @@
   <p:clrMapOvr>
     <a:masterClrMapping/>
   </p:clrMapOvr>
+  <p:timing>
+    <p:tnLst>
+      <p:par>
+        <p:cTn id="1" dur="indefinite" restart="never" nodeType="tmRoot"/>
+      </p:par>
+    </p:tnLst>
+  </p:timing>
 </p:sld>
 </file>
 
@@ -22993,6 +23166,13 @@
   <p:clrMapOvr>
     <a:masterClrMapping/>
   </p:clrMapOvr>
+  <p:timing>
+    <p:tnLst>
+      <p:par>
+        <p:cTn id="1" dur="indefinite" restart="never" nodeType="tmRoot"/>
+      </p:par>
+    </p:tnLst>
+  </p:timing>
 </p:sld>
 </file>
 
@@ -23212,6 +23392,13 @@
   <p:clrMapOvr>
     <a:masterClrMapping/>
   </p:clrMapOvr>
+  <p:timing>
+    <p:tnLst>
+      <p:par>
+        <p:cTn id="1" dur="indefinite" restart="never" nodeType="tmRoot"/>
+      </p:par>
+    </p:tnLst>
+  </p:timing>
 </p:sld>
 </file>
 
@@ -23499,6 +23686,13 @@
   <p:clrMapOvr>
     <a:masterClrMapping/>
   </p:clrMapOvr>
+  <p:timing>
+    <p:tnLst>
+      <p:par>
+        <p:cTn id="1" dur="indefinite" restart="never" nodeType="tmRoot"/>
+      </p:par>
+    </p:tnLst>
+  </p:timing>
 </p:sld>
 </file>
 
@@ -23617,6 +23811,13 @@
   <p:clrMapOvr>
     <a:masterClrMapping/>
   </p:clrMapOvr>
+  <p:timing>
+    <p:tnLst>
+      <p:par>
+        <p:cTn id="1" dur="indefinite" restart="never" nodeType="tmRoot"/>
+      </p:par>
+    </p:tnLst>
+  </p:timing>
 </p:sld>
 </file>
 
@@ -23831,6 +24032,13 @@
   <p:clrMapOvr>
     <a:masterClrMapping/>
   </p:clrMapOvr>
+  <p:timing>
+    <p:tnLst>
+      <p:par>
+        <p:cTn id="1" dur="indefinite" restart="never" nodeType="tmRoot"/>
+      </p:par>
+    </p:tnLst>
+  </p:timing>
 </p:sld>
 </file>
 
@@ -24019,6 +24227,13 @@
   <p:clrMapOvr>
     <a:masterClrMapping/>
   </p:clrMapOvr>
+  <p:timing>
+    <p:tnLst>
+      <p:par>
+        <p:cTn id="1" dur="indefinite" restart="never" nodeType="tmRoot"/>
+      </p:par>
+    </p:tnLst>
+  </p:timing>
 </p:sld>
 </file>
 
@@ -24272,6 +24487,13 @@
   <p:clrMapOvr>
     <a:masterClrMapping/>
   </p:clrMapOvr>
+  <p:timing>
+    <p:tnLst>
+      <p:par>
+        <p:cTn id="1" dur="indefinite" restart="never" nodeType="tmRoot"/>
+      </p:par>
+    </p:tnLst>
+  </p:timing>
 </p:sld>
 </file>
 
@@ -24510,6 +24732,13 @@
   <p:clrMapOvr>
     <a:masterClrMapping/>
   </p:clrMapOvr>
+  <p:timing>
+    <p:tnLst>
+      <p:par>
+        <p:cTn id="1" dur="indefinite" restart="never" nodeType="tmRoot"/>
+      </p:par>
+    </p:tnLst>
+  </p:timing>
 </p:sld>
 </file>
 
@@ -24763,6 +24992,13 @@
   <p:clrMapOvr>
     <a:masterClrMapping/>
   </p:clrMapOvr>
+  <p:timing>
+    <p:tnLst>
+      <p:par>
+        <p:cTn id="1" dur="indefinite" restart="never" nodeType="tmRoot"/>
+      </p:par>
+    </p:tnLst>
+  </p:timing>
 </p:sld>
 </file>
 
@@ -24815,8 +25051,16 @@
               <a:buNone/>
             </a:pPr>
             <a:r>
-              <a:rPr lang="en-US"/>
-              <a:t>Semi-Autonomous Perpendicular Parking Execution</a:t>
+              <a:rPr lang="en-US" dirty="0"/>
+              <a:t>Semi-Autonomous </a:t>
+            </a:r>
+            <a:r>
+              <a:rPr lang="en-US" dirty="0" smtClean="0"/>
+              <a:t>Parallel </a:t>
+            </a:r>
+            <a:r>
+              <a:rPr lang="en-US" dirty="0"/>
+              <a:t>Parking Execution</a:t>
             </a:r>
           </a:p>
         </p:txBody>
@@ -25021,6 +25265,13 @@
   <p:clrMapOvr>
     <a:masterClrMapping/>
   </p:clrMapOvr>
+  <p:timing>
+    <p:tnLst>
+      <p:par>
+        <p:cTn id="1" dur="indefinite" restart="never" nodeType="tmRoot"/>
+      </p:par>
+    </p:tnLst>
+  </p:timing>
 </p:sld>
 </file>
 
@@ -25204,6 +25455,13 @@
   <p:clrMapOvr>
     <a:masterClrMapping/>
   </p:clrMapOvr>
+  <p:timing>
+    <p:tnLst>
+      <p:par>
+        <p:cTn id="1" dur="indefinite" restart="never" nodeType="tmRoot"/>
+      </p:par>
+    </p:tnLst>
+  </p:timing>
 </p:sld>
 </file>
 

--- a/ECE2031Presentation.pptx
+++ b/ECE2031Presentation.pptx
@@ -20932,7 +20932,7 @@
         </p:nvSpPr>
         <p:spPr>
           <a:xfrm>
-            <a:off x="7826200" y="4471262"/>
+            <a:off x="7329725" y="4197868"/>
             <a:ext cx="840600" cy="560400"/>
           </a:xfrm>
           <a:prstGeom prst="rect">
@@ -20956,7 +20956,7 @@
               <a:buNone/>
             </a:pPr>
             <a:r>
-              <a:rPr lang="en-US" sz="2400"/>
+              <a:rPr lang="en-US" sz="2400" dirty="0"/>
               <a:t>(0,0)</a:t>
             </a:r>
           </a:p>
@@ -20970,7 +20970,7 @@
         </p:nvSpPr>
         <p:spPr>
           <a:xfrm>
-            <a:off x="7977150" y="5200175"/>
+            <a:off x="7625487" y="4885851"/>
             <a:ext cx="200700" cy="200700"/>
           </a:xfrm>
           <a:prstGeom prst="ellipse">
@@ -21013,7 +21013,7 @@
         </p:nvSpPr>
         <p:spPr>
           <a:xfrm>
-            <a:off x="6876975" y="5200175"/>
+            <a:off x="6609975" y="4907537"/>
             <a:ext cx="200700" cy="200700"/>
           </a:xfrm>
           <a:prstGeom prst="ellipse">
@@ -21056,7 +21056,7 @@
         </p:nvSpPr>
         <p:spPr>
           <a:xfrm>
-            <a:off x="6800775" y="3105562"/>
+            <a:off x="6553200" y="2977825"/>
             <a:ext cx="200700" cy="200700"/>
           </a:xfrm>
           <a:prstGeom prst="ellipse">
@@ -21137,7 +21137,7 @@
         </p:nvSpPr>
         <p:spPr>
           <a:xfrm>
-            <a:off x="5115150" y="1044087"/>
+            <a:off x="5122200" y="943214"/>
             <a:ext cx="2862000" cy="560400"/>
           </a:xfrm>
           <a:prstGeom prst="rect">
@@ -21161,7 +21161,7 @@
               <a:buNone/>
             </a:pPr>
             <a:r>
-              <a:rPr lang="en-US" sz="2400"/>
+              <a:rPr lang="en-US" sz="2400" dirty="0"/>
               <a:t>(51.2 cm, -97.5 cm)</a:t>
             </a:r>
           </a:p>
@@ -21177,7 +21177,7 @@
         </p:nvCxnSpPr>
         <p:spPr>
           <a:xfrm flipH="1">
-            <a:off x="6901125" y="1478662"/>
+            <a:off x="6653550" y="1350925"/>
             <a:ext cx="267900" cy="1626900"/>
           </a:xfrm>
           <a:prstGeom prst="straightConnector1">

--- a/ECE2031Presentation.pptx
+++ b/ECE2031Presentation.pptx
@@ -20647,34 +20647,6 @@
           <a:chExt cx="0" cy="0"/>
         </a:xfrm>
       </p:grpSpPr>
-      <p:pic>
-        <p:nvPicPr>
-          <p:cNvPr id="248" name="Shape 248" descr="Screen Shot 2017-04-17 at 4.53.14 PM.png"/>
-          <p:cNvPicPr preferRelativeResize="0"/>
-          <p:nvPr/>
-        </p:nvPicPr>
-        <p:blipFill>
-          <a:blip r:embed="rId3">
-            <a:alphaModFix/>
-          </a:blip>
-          <a:stretch>
-            <a:fillRect/>
-          </a:stretch>
-        </p:blipFill>
-        <p:spPr>
-          <a:xfrm>
-            <a:off x="701950" y="1406574"/>
-            <a:ext cx="7696200" cy="4110861"/>
-          </a:xfrm>
-          <a:prstGeom prst="rect">
-            <a:avLst/>
-          </a:prstGeom>
-          <a:noFill/>
-          <a:ln>
-            <a:noFill/>
-          </a:ln>
-        </p:spPr>
-      </p:pic>
       <p:sp>
         <p:nvSpPr>
           <p:cNvPr id="246" name="Shape 246"/>
@@ -20775,7 +20747,7 @@
           <p:nvPr/>
         </p:nvPicPr>
         <p:blipFill>
-          <a:blip r:embed="rId4">
+          <a:blip r:embed="rId3">
             <a:alphaModFix/>
           </a:blip>
           <a:stretch>
@@ -20796,405 +20768,463 @@
           </a:ln>
         </p:spPr>
       </p:pic>
-      <p:cxnSp>
-        <p:nvCxnSpPr>
-          <p:cNvPr id="250" name="Shape 250"/>
-          <p:cNvCxnSpPr/>
+      <p:grpSp>
+        <p:nvGrpSpPr>
+          <p:cNvPr id="3" name="Group 2"/>
+          <p:cNvGrpSpPr/>
           <p:nvPr/>
-        </p:nvCxnSpPr>
-        <p:spPr>
-          <a:xfrm rot="10800000">
-            <a:off x="7734450" y="3205925"/>
-            <a:ext cx="686100" cy="0"/>
+        </p:nvGrpSpPr>
+        <p:grpSpPr>
+          <a:xfrm>
+            <a:off x="701950" y="926675"/>
+            <a:ext cx="8309987" cy="4654050"/>
+            <a:chOff x="701950" y="926675"/>
+            <a:chExt cx="8309987" cy="4654050"/>
           </a:xfrm>
-          <a:prstGeom prst="straightConnector1">
-            <a:avLst/>
-          </a:prstGeom>
-          <a:noFill/>
-          <a:ln w="28575" cap="flat" cmpd="sng">
-            <a:solidFill>
-              <a:srgbClr val="000000"/>
-            </a:solidFill>
-            <a:prstDash val="solid"/>
-            <a:round/>
-            <a:headEnd type="none" w="lg" len="lg"/>
-            <a:tailEnd type="triangle" w="lg" len="lg"/>
-          </a:ln>
-        </p:spPr>
-      </p:cxnSp>
-      <p:cxnSp>
-        <p:nvCxnSpPr>
-          <p:cNvPr id="251" name="Shape 251"/>
-          <p:cNvCxnSpPr/>
-          <p:nvPr/>
-        </p:nvCxnSpPr>
-        <p:spPr>
-          <a:xfrm>
-            <a:off x="8382000" y="3162800"/>
-            <a:ext cx="0" cy="674700"/>
-          </a:xfrm>
-          <a:prstGeom prst="straightConnector1">
-            <a:avLst/>
-          </a:prstGeom>
-          <a:noFill/>
-          <a:ln w="28575" cap="flat" cmpd="sng">
-            <a:solidFill>
-              <a:srgbClr val="000000"/>
-            </a:solidFill>
-            <a:prstDash val="solid"/>
-            <a:round/>
-            <a:headEnd type="none" w="lg" len="lg"/>
-            <a:tailEnd type="triangle" w="lg" len="lg"/>
-          </a:ln>
-        </p:spPr>
-      </p:cxnSp>
-      <p:sp>
-        <p:nvSpPr>
-          <p:cNvPr id="252" name="Shape 252"/>
-          <p:cNvSpPr txBox="1"/>
-          <p:nvPr/>
-        </p:nvSpPr>
-        <p:spPr>
-          <a:xfrm>
-            <a:off x="7826187" y="2699625"/>
-            <a:ext cx="613800" cy="560400"/>
-          </a:xfrm>
-          <a:prstGeom prst="rect">
-            <a:avLst/>
-          </a:prstGeom>
-          <a:noFill/>
-          <a:ln>
+        </p:grpSpPr>
+        <p:grpSp>
+          <p:nvGrpSpPr>
+            <p:cNvPr id="2" name="Group 1"/>
+            <p:cNvGrpSpPr/>
+            <p:nvPr/>
+          </p:nvGrpSpPr>
+          <p:grpSpPr>
+            <a:xfrm>
+              <a:off x="701950" y="926675"/>
+              <a:ext cx="7696200" cy="4654050"/>
+              <a:chOff x="701950" y="926675"/>
+              <a:chExt cx="7696200" cy="4654050"/>
+            </a:xfrm>
+          </p:grpSpPr>
+          <p:pic>
+            <p:nvPicPr>
+              <p:cNvPr id="248" name="Shape 248" descr="Screen Shot 2017-04-17 at 4.53.14 PM.png"/>
+              <p:cNvPicPr preferRelativeResize="0"/>
+              <p:nvPr/>
+            </p:nvPicPr>
+            <p:blipFill>
+              <a:blip r:embed="rId4">
+                <a:alphaModFix/>
+              </a:blip>
+              <a:stretch>
+                <a:fillRect/>
+              </a:stretch>
+            </p:blipFill>
+            <p:spPr>
+              <a:xfrm>
+                <a:off x="701950" y="1406574"/>
+                <a:ext cx="7696200" cy="4110861"/>
+              </a:xfrm>
+              <a:prstGeom prst="rect">
+                <a:avLst/>
+              </a:prstGeom>
+              <a:noFill/>
+              <a:ln>
+                <a:noFill/>
+              </a:ln>
+            </p:spPr>
+          </p:pic>
+          <p:sp>
+            <p:nvSpPr>
+              <p:cNvPr id="254" name="Shape 254"/>
+              <p:cNvSpPr txBox="1"/>
+              <p:nvPr/>
+            </p:nvSpPr>
+            <p:spPr>
+              <a:xfrm>
+                <a:off x="7405887" y="4179575"/>
+                <a:ext cx="840600" cy="560400"/>
+              </a:xfrm>
+              <a:prstGeom prst="rect">
+                <a:avLst/>
+              </a:prstGeom>
+              <a:noFill/>
+              <a:ln>
+                <a:noFill/>
+              </a:ln>
+            </p:spPr>
+            <p:txBody>
+              <a:bodyPr lIns="91425" tIns="91425" rIns="91425" bIns="91425" anchor="t" anchorCtr="0">
+                <a:noAutofit/>
+              </a:bodyPr>
+              <a:lstStyle/>
+              <a:p>
+                <a:pPr lvl="0">
+                  <a:spcBef>
+                    <a:spcPts val="0"/>
+                  </a:spcBef>
+                  <a:buNone/>
+                </a:pPr>
+                <a:r>
+                  <a:rPr lang="en-US" sz="2400" dirty="0"/>
+                  <a:t>(0,0)</a:t>
+                </a:r>
+              </a:p>
+            </p:txBody>
+          </p:sp>
+          <p:sp>
+            <p:nvSpPr>
+              <p:cNvPr id="255" name="Shape 255"/>
+              <p:cNvSpPr/>
+              <p:nvPr/>
+            </p:nvSpPr>
+            <p:spPr>
+              <a:xfrm>
+                <a:off x="7638487" y="4919975"/>
+                <a:ext cx="200700" cy="200700"/>
+              </a:xfrm>
+              <a:prstGeom prst="ellipse">
+                <a:avLst/>
+              </a:prstGeom>
+              <a:solidFill>
+                <a:srgbClr val="000000"/>
+              </a:solidFill>
+              <a:ln w="28575" cap="flat" cmpd="sng">
+                <a:solidFill>
+                  <a:srgbClr val="FFFFFF"/>
+                </a:solidFill>
+                <a:prstDash val="solid"/>
+                <a:round/>
+                <a:headEnd type="none" w="med" len="med"/>
+                <a:tailEnd type="none" w="med" len="med"/>
+              </a:ln>
+            </p:spPr>
+            <p:txBody>
+              <a:bodyPr lIns="91425" tIns="91425" rIns="91425" bIns="91425" anchor="ctr" anchorCtr="0">
+                <a:noAutofit/>
+              </a:bodyPr>
+              <a:lstStyle/>
+              <a:p>
+                <a:pPr lvl="0">
+                  <a:spcBef>
+                    <a:spcPts val="0"/>
+                  </a:spcBef>
+                  <a:buNone/>
+                </a:pPr>
+                <a:endParaRPr/>
+              </a:p>
+            </p:txBody>
+          </p:sp>
+          <p:sp>
+            <p:nvSpPr>
+              <p:cNvPr id="256" name="Shape 256"/>
+              <p:cNvSpPr/>
+              <p:nvPr/>
+            </p:nvSpPr>
+            <p:spPr>
+              <a:xfrm>
+                <a:off x="6609975" y="4919975"/>
+                <a:ext cx="200700" cy="200700"/>
+              </a:xfrm>
+              <a:prstGeom prst="ellipse">
+                <a:avLst/>
+              </a:prstGeom>
+              <a:solidFill>
+                <a:srgbClr val="000000"/>
+              </a:solidFill>
+              <a:ln w="28575" cap="flat" cmpd="sng">
+                <a:solidFill>
+                  <a:srgbClr val="FFFFFF"/>
+                </a:solidFill>
+                <a:prstDash val="solid"/>
+                <a:round/>
+                <a:headEnd type="none" w="med" len="med"/>
+                <a:tailEnd type="none" w="med" len="med"/>
+              </a:ln>
+            </p:spPr>
+            <p:txBody>
+              <a:bodyPr lIns="91425" tIns="91425" rIns="91425" bIns="91425" anchor="ctr" anchorCtr="0">
+                <a:noAutofit/>
+              </a:bodyPr>
+              <a:lstStyle/>
+              <a:p>
+                <a:pPr lvl="0">
+                  <a:spcBef>
+                    <a:spcPts val="0"/>
+                  </a:spcBef>
+                  <a:buNone/>
+                </a:pPr>
+                <a:endParaRPr/>
+              </a:p>
+            </p:txBody>
+          </p:sp>
+          <p:sp>
+            <p:nvSpPr>
+              <p:cNvPr id="257" name="Shape 257"/>
+              <p:cNvSpPr/>
+              <p:nvPr/>
+            </p:nvSpPr>
+            <p:spPr>
+              <a:xfrm>
+                <a:off x="6553200" y="2962100"/>
+                <a:ext cx="200700" cy="200700"/>
+              </a:xfrm>
+              <a:prstGeom prst="ellipse">
+                <a:avLst/>
+              </a:prstGeom>
+              <a:solidFill>
+                <a:srgbClr val="000000"/>
+              </a:solidFill>
+              <a:ln w="28575" cap="flat" cmpd="sng">
+                <a:solidFill>
+                  <a:srgbClr val="FFFFFF"/>
+                </a:solidFill>
+                <a:prstDash val="solid"/>
+                <a:round/>
+                <a:headEnd type="none" w="med" len="med"/>
+                <a:tailEnd type="none" w="med" len="med"/>
+              </a:ln>
+            </p:spPr>
+            <p:txBody>
+              <a:bodyPr lIns="91425" tIns="91425" rIns="91425" bIns="91425" anchor="ctr" anchorCtr="0">
+                <a:noAutofit/>
+              </a:bodyPr>
+              <a:lstStyle/>
+              <a:p>
+                <a:pPr lvl="0">
+                  <a:spcBef>
+                    <a:spcPts val="0"/>
+                  </a:spcBef>
+                  <a:buNone/>
+                </a:pPr>
+                <a:endParaRPr/>
+              </a:p>
+            </p:txBody>
+          </p:sp>
+          <p:sp>
+            <p:nvSpPr>
+              <p:cNvPr id="258" name="Shape 258"/>
+              <p:cNvSpPr txBox="1"/>
+              <p:nvPr/>
+            </p:nvSpPr>
+            <p:spPr>
+              <a:xfrm>
+                <a:off x="4940550" y="5020325"/>
+                <a:ext cx="1735800" cy="560400"/>
+              </a:xfrm>
+              <a:prstGeom prst="rect">
+                <a:avLst/>
+              </a:prstGeom>
+              <a:noFill/>
+              <a:ln>
+                <a:noFill/>
+              </a:ln>
+            </p:spPr>
+            <p:txBody>
+              <a:bodyPr lIns="91425" tIns="91425" rIns="91425" bIns="91425" anchor="t" anchorCtr="0">
+                <a:noAutofit/>
+              </a:bodyPr>
+              <a:lstStyle/>
+              <a:p>
+                <a:pPr lvl="0" rtl="0">
+                  <a:spcBef>
+                    <a:spcPts val="0"/>
+                  </a:spcBef>
+                  <a:buNone/>
+                </a:pPr>
+                <a:r>
+                  <a:rPr lang="en-US" sz="2400"/>
+                  <a:t>(51.2 cm,0)</a:t>
+                </a:r>
+              </a:p>
+            </p:txBody>
+          </p:sp>
+          <p:sp>
+            <p:nvSpPr>
+              <p:cNvPr id="259" name="Shape 259"/>
+              <p:cNvSpPr txBox="1"/>
+              <p:nvPr/>
+            </p:nvSpPr>
+            <p:spPr>
+              <a:xfrm>
+                <a:off x="5122200" y="926675"/>
+                <a:ext cx="2862000" cy="560400"/>
+              </a:xfrm>
+              <a:prstGeom prst="rect">
+                <a:avLst/>
+              </a:prstGeom>
+              <a:noFill/>
+              <a:ln>
+                <a:noFill/>
+              </a:ln>
+            </p:spPr>
+            <p:txBody>
+              <a:bodyPr lIns="91425" tIns="91425" rIns="91425" bIns="91425" anchor="t" anchorCtr="0">
+                <a:noAutofit/>
+              </a:bodyPr>
+              <a:lstStyle/>
+              <a:p>
+                <a:pPr lvl="0" rtl="0">
+                  <a:spcBef>
+                    <a:spcPts val="0"/>
+                  </a:spcBef>
+                  <a:buNone/>
+                </a:pPr>
+                <a:r>
+                  <a:rPr lang="en-US" sz="2400" dirty="0"/>
+                  <a:t>(51.2 cm, -97.5 cm)</a:t>
+                </a:r>
+              </a:p>
+            </p:txBody>
+          </p:sp>
+          <p:cxnSp>
+            <p:nvCxnSpPr>
+              <p:cNvPr id="260" name="Shape 260"/>
+              <p:cNvCxnSpPr>
+                <a:endCxn id="257" idx="0"/>
+              </p:cNvCxnSpPr>
+              <p:nvPr/>
+            </p:nvCxnSpPr>
+            <p:spPr>
+              <a:xfrm flipH="1">
+                <a:off x="6653550" y="1335200"/>
+                <a:ext cx="267900" cy="1626900"/>
+              </a:xfrm>
+              <a:prstGeom prst="straightConnector1">
+                <a:avLst/>
+              </a:prstGeom>
+              <a:noFill/>
+              <a:ln w="9525" cap="flat" cmpd="sng">
+                <a:solidFill>
+                  <a:schemeClr val="dk2"/>
+                </a:solidFill>
+                <a:prstDash val="solid"/>
+                <a:round/>
+                <a:headEnd type="none" w="lg" len="lg"/>
+                <a:tailEnd type="none" w="lg" len="lg"/>
+              </a:ln>
+            </p:spPr>
+          </p:cxnSp>
+        </p:grpSp>
+        <p:cxnSp>
+          <p:nvCxnSpPr>
+            <p:cNvPr id="250" name="Shape 250"/>
+            <p:cNvCxnSpPr/>
+            <p:nvPr/>
+          </p:nvCxnSpPr>
+          <p:spPr>
+            <a:xfrm rot="10800000">
+              <a:off x="7734450" y="3205925"/>
+              <a:ext cx="686100" cy="0"/>
+            </a:xfrm>
+            <a:prstGeom prst="straightConnector1">
+              <a:avLst/>
+            </a:prstGeom>
             <a:noFill/>
-          </a:ln>
-        </p:spPr>
-        <p:txBody>
-          <a:bodyPr lIns="91425" tIns="91425" rIns="91425" bIns="91425" anchor="t" anchorCtr="0">
-            <a:noAutofit/>
-          </a:bodyPr>
-          <a:lstStyle/>
-          <a:p>
-            <a:pPr lvl="0">
-              <a:spcBef>
-                <a:spcPts val="0"/>
-              </a:spcBef>
-              <a:buNone/>
-            </a:pPr>
-            <a:r>
-              <a:rPr lang="en-US" sz="2400"/>
-              <a:t>+x</a:t>
-            </a:r>
-          </a:p>
-        </p:txBody>
-      </p:sp>
-      <p:sp>
-        <p:nvSpPr>
-          <p:cNvPr id="253" name="Shape 253"/>
-          <p:cNvSpPr txBox="1"/>
-          <p:nvPr/>
-        </p:nvSpPr>
-        <p:spPr>
-          <a:xfrm>
-            <a:off x="8398137" y="3205925"/>
-            <a:ext cx="613800" cy="560400"/>
-          </a:xfrm>
-          <a:prstGeom prst="rect">
-            <a:avLst/>
-          </a:prstGeom>
-          <a:noFill/>
-          <a:ln>
+            <a:ln w="28575" cap="flat" cmpd="sng">
+              <a:solidFill>
+                <a:srgbClr val="000000"/>
+              </a:solidFill>
+              <a:prstDash val="solid"/>
+              <a:round/>
+              <a:headEnd type="none" w="lg" len="lg"/>
+              <a:tailEnd type="triangle" w="lg" len="lg"/>
+            </a:ln>
+          </p:spPr>
+        </p:cxnSp>
+        <p:cxnSp>
+          <p:nvCxnSpPr>
+            <p:cNvPr id="251" name="Shape 251"/>
+            <p:cNvCxnSpPr/>
+            <p:nvPr/>
+          </p:nvCxnSpPr>
+          <p:spPr>
+            <a:xfrm>
+              <a:off x="8382000" y="3162800"/>
+              <a:ext cx="0" cy="674700"/>
+            </a:xfrm>
+            <a:prstGeom prst="straightConnector1">
+              <a:avLst/>
+            </a:prstGeom>
             <a:noFill/>
-          </a:ln>
-        </p:spPr>
-        <p:txBody>
-          <a:bodyPr lIns="91425" tIns="91425" rIns="91425" bIns="91425" anchor="t" anchorCtr="0">
-            <a:noAutofit/>
-          </a:bodyPr>
-          <a:lstStyle/>
-          <a:p>
-            <a:pPr lvl="0" rtl="0">
-              <a:spcBef>
-                <a:spcPts val="0"/>
-              </a:spcBef>
-              <a:buNone/>
-            </a:pPr>
-            <a:r>
-              <a:rPr lang="en-US" sz="2400"/>
-              <a:t>+y</a:t>
-            </a:r>
-          </a:p>
-        </p:txBody>
-      </p:sp>
-      <p:sp>
-        <p:nvSpPr>
-          <p:cNvPr id="254" name="Shape 254"/>
-          <p:cNvSpPr txBox="1"/>
-          <p:nvPr/>
-        </p:nvSpPr>
-        <p:spPr>
-          <a:xfrm>
-            <a:off x="7329725" y="4197868"/>
-            <a:ext cx="840600" cy="560400"/>
-          </a:xfrm>
-          <a:prstGeom prst="rect">
-            <a:avLst/>
-          </a:prstGeom>
-          <a:noFill/>
-          <a:ln>
+            <a:ln w="28575" cap="flat" cmpd="sng">
+              <a:solidFill>
+                <a:srgbClr val="000000"/>
+              </a:solidFill>
+              <a:prstDash val="solid"/>
+              <a:round/>
+              <a:headEnd type="none" w="lg" len="lg"/>
+              <a:tailEnd type="triangle" w="lg" len="lg"/>
+            </a:ln>
+          </p:spPr>
+        </p:cxnSp>
+        <p:sp>
+          <p:nvSpPr>
+            <p:cNvPr id="252" name="Shape 252"/>
+            <p:cNvSpPr txBox="1"/>
+            <p:nvPr/>
+          </p:nvSpPr>
+          <p:spPr>
+            <a:xfrm>
+              <a:off x="7826187" y="2699625"/>
+              <a:ext cx="613800" cy="560400"/>
+            </a:xfrm>
+            <a:prstGeom prst="rect">
+              <a:avLst/>
+            </a:prstGeom>
             <a:noFill/>
-          </a:ln>
-        </p:spPr>
-        <p:txBody>
-          <a:bodyPr lIns="91425" tIns="91425" rIns="91425" bIns="91425" anchor="t" anchorCtr="0">
-            <a:noAutofit/>
-          </a:bodyPr>
-          <a:lstStyle/>
-          <a:p>
-            <a:pPr lvl="0">
-              <a:spcBef>
-                <a:spcPts val="0"/>
-              </a:spcBef>
-              <a:buNone/>
-            </a:pPr>
-            <a:r>
-              <a:rPr lang="en-US" sz="2400" dirty="0"/>
-              <a:t>(0,0)</a:t>
-            </a:r>
-          </a:p>
-        </p:txBody>
-      </p:sp>
-      <p:sp>
-        <p:nvSpPr>
-          <p:cNvPr id="255" name="Shape 255"/>
-          <p:cNvSpPr/>
-          <p:nvPr/>
-        </p:nvSpPr>
-        <p:spPr>
-          <a:xfrm>
-            <a:off x="7625487" y="4885851"/>
-            <a:ext cx="200700" cy="200700"/>
-          </a:xfrm>
-          <a:prstGeom prst="ellipse">
-            <a:avLst/>
-          </a:prstGeom>
-          <a:solidFill>
-            <a:srgbClr val="000000"/>
-          </a:solidFill>
-          <a:ln w="28575" cap="flat" cmpd="sng">
-            <a:solidFill>
-              <a:srgbClr val="FFFFFF"/>
-            </a:solidFill>
-            <a:prstDash val="solid"/>
-            <a:round/>
-            <a:headEnd type="none" w="med" len="med"/>
-            <a:tailEnd type="none" w="med" len="med"/>
-          </a:ln>
-        </p:spPr>
-        <p:txBody>
-          <a:bodyPr lIns="91425" tIns="91425" rIns="91425" bIns="91425" anchor="ctr" anchorCtr="0">
-            <a:noAutofit/>
-          </a:bodyPr>
-          <a:lstStyle/>
-          <a:p>
-            <a:pPr lvl="0">
-              <a:spcBef>
-                <a:spcPts val="0"/>
-              </a:spcBef>
-              <a:buNone/>
-            </a:pPr>
-            <a:endParaRPr/>
-          </a:p>
-        </p:txBody>
-      </p:sp>
-      <p:sp>
-        <p:nvSpPr>
-          <p:cNvPr id="256" name="Shape 256"/>
-          <p:cNvSpPr/>
-          <p:nvPr/>
-        </p:nvSpPr>
-        <p:spPr>
-          <a:xfrm>
-            <a:off x="6609975" y="4907537"/>
-            <a:ext cx="200700" cy="200700"/>
-          </a:xfrm>
-          <a:prstGeom prst="ellipse">
-            <a:avLst/>
-          </a:prstGeom>
-          <a:solidFill>
-            <a:srgbClr val="000000"/>
-          </a:solidFill>
-          <a:ln w="28575" cap="flat" cmpd="sng">
-            <a:solidFill>
-              <a:srgbClr val="FFFFFF"/>
-            </a:solidFill>
-            <a:prstDash val="solid"/>
-            <a:round/>
-            <a:headEnd type="none" w="med" len="med"/>
-            <a:tailEnd type="none" w="med" len="med"/>
-          </a:ln>
-        </p:spPr>
-        <p:txBody>
-          <a:bodyPr lIns="91425" tIns="91425" rIns="91425" bIns="91425" anchor="ctr" anchorCtr="0">
-            <a:noAutofit/>
-          </a:bodyPr>
-          <a:lstStyle/>
-          <a:p>
-            <a:pPr lvl="0">
-              <a:spcBef>
-                <a:spcPts val="0"/>
-              </a:spcBef>
-              <a:buNone/>
-            </a:pPr>
-            <a:endParaRPr/>
-          </a:p>
-        </p:txBody>
-      </p:sp>
-      <p:sp>
-        <p:nvSpPr>
-          <p:cNvPr id="257" name="Shape 257"/>
-          <p:cNvSpPr/>
-          <p:nvPr/>
-        </p:nvSpPr>
-        <p:spPr>
-          <a:xfrm>
-            <a:off x="6553200" y="2977825"/>
-            <a:ext cx="200700" cy="200700"/>
-          </a:xfrm>
-          <a:prstGeom prst="ellipse">
-            <a:avLst/>
-          </a:prstGeom>
-          <a:solidFill>
-            <a:srgbClr val="000000"/>
-          </a:solidFill>
-          <a:ln w="28575" cap="flat" cmpd="sng">
-            <a:solidFill>
-              <a:srgbClr val="FFFFFF"/>
-            </a:solidFill>
-            <a:prstDash val="solid"/>
-            <a:round/>
-            <a:headEnd type="none" w="med" len="med"/>
-            <a:tailEnd type="none" w="med" len="med"/>
-          </a:ln>
-        </p:spPr>
-        <p:txBody>
-          <a:bodyPr lIns="91425" tIns="91425" rIns="91425" bIns="91425" anchor="ctr" anchorCtr="0">
-            <a:noAutofit/>
-          </a:bodyPr>
-          <a:lstStyle/>
-          <a:p>
-            <a:pPr lvl="0">
-              <a:spcBef>
-                <a:spcPts val="0"/>
-              </a:spcBef>
-              <a:buNone/>
-            </a:pPr>
-            <a:endParaRPr/>
-          </a:p>
-        </p:txBody>
-      </p:sp>
-      <p:sp>
-        <p:nvSpPr>
-          <p:cNvPr id="258" name="Shape 258"/>
-          <p:cNvSpPr txBox="1"/>
-          <p:nvPr/>
-        </p:nvSpPr>
-        <p:spPr>
-          <a:xfrm>
-            <a:off x="4940550" y="5020325"/>
-            <a:ext cx="1735800" cy="560400"/>
-          </a:xfrm>
-          <a:prstGeom prst="rect">
-            <a:avLst/>
-          </a:prstGeom>
-          <a:noFill/>
-          <a:ln>
+            <a:ln>
+              <a:noFill/>
+            </a:ln>
+          </p:spPr>
+          <p:txBody>
+            <a:bodyPr lIns="91425" tIns="91425" rIns="91425" bIns="91425" anchor="t" anchorCtr="0">
+              <a:noAutofit/>
+            </a:bodyPr>
+            <a:lstStyle/>
+            <a:p>
+              <a:pPr lvl="0">
+                <a:spcBef>
+                  <a:spcPts val="0"/>
+                </a:spcBef>
+                <a:buNone/>
+              </a:pPr>
+              <a:r>
+                <a:rPr lang="en-US" sz="2400"/>
+                <a:t>+x</a:t>
+              </a:r>
+            </a:p>
+          </p:txBody>
+        </p:sp>
+        <p:sp>
+          <p:nvSpPr>
+            <p:cNvPr id="253" name="Shape 253"/>
+            <p:cNvSpPr txBox="1"/>
+            <p:nvPr/>
+          </p:nvSpPr>
+          <p:spPr>
+            <a:xfrm>
+              <a:off x="8398137" y="3205925"/>
+              <a:ext cx="613800" cy="560400"/>
+            </a:xfrm>
+            <a:prstGeom prst="rect">
+              <a:avLst/>
+            </a:prstGeom>
             <a:noFill/>
-          </a:ln>
-        </p:spPr>
-        <p:txBody>
-          <a:bodyPr lIns="91425" tIns="91425" rIns="91425" bIns="91425" anchor="t" anchorCtr="0">
-            <a:noAutofit/>
-          </a:bodyPr>
-          <a:lstStyle/>
-          <a:p>
-            <a:pPr lvl="0" rtl="0">
-              <a:spcBef>
-                <a:spcPts val="0"/>
-              </a:spcBef>
-              <a:buNone/>
-            </a:pPr>
-            <a:r>
-              <a:rPr lang="en-US" sz="2400"/>
-              <a:t>(51.2 cm,0)</a:t>
-            </a:r>
-          </a:p>
-        </p:txBody>
-      </p:sp>
-      <p:sp>
-        <p:nvSpPr>
-          <p:cNvPr id="259" name="Shape 259"/>
-          <p:cNvSpPr txBox="1"/>
-          <p:nvPr/>
-        </p:nvSpPr>
-        <p:spPr>
-          <a:xfrm>
-            <a:off x="5122200" y="943214"/>
-            <a:ext cx="2862000" cy="560400"/>
-          </a:xfrm>
-          <a:prstGeom prst="rect">
-            <a:avLst/>
-          </a:prstGeom>
-          <a:noFill/>
-          <a:ln>
-            <a:noFill/>
-          </a:ln>
-        </p:spPr>
-        <p:txBody>
-          <a:bodyPr lIns="91425" tIns="91425" rIns="91425" bIns="91425" anchor="t" anchorCtr="0">
-            <a:noAutofit/>
-          </a:bodyPr>
-          <a:lstStyle/>
-          <a:p>
-            <a:pPr lvl="0" rtl="0">
-              <a:spcBef>
-                <a:spcPts val="0"/>
-              </a:spcBef>
-              <a:buNone/>
-            </a:pPr>
-            <a:r>
-              <a:rPr lang="en-US" sz="2400" dirty="0"/>
-              <a:t>(51.2 cm, -97.5 cm)</a:t>
-            </a:r>
-          </a:p>
-        </p:txBody>
-      </p:sp>
-      <p:cxnSp>
-        <p:nvCxnSpPr>
-          <p:cNvPr id="260" name="Shape 260"/>
-          <p:cNvCxnSpPr>
-            <a:endCxn id="257" idx="0"/>
-          </p:cNvCxnSpPr>
-          <p:nvPr/>
-        </p:nvCxnSpPr>
-        <p:spPr>
-          <a:xfrm flipH="1">
-            <a:off x="6653550" y="1350925"/>
-            <a:ext cx="267900" cy="1626900"/>
-          </a:xfrm>
-          <a:prstGeom prst="straightConnector1">
-            <a:avLst/>
-          </a:prstGeom>
-          <a:noFill/>
-          <a:ln w="9525" cap="flat" cmpd="sng">
-            <a:solidFill>
-              <a:schemeClr val="dk2"/>
-            </a:solidFill>
-            <a:prstDash val="solid"/>
-            <a:round/>
-            <a:headEnd type="none" w="lg" len="lg"/>
-            <a:tailEnd type="none" w="lg" len="lg"/>
-          </a:ln>
-        </p:spPr>
-      </p:cxnSp>
+            <a:ln>
+              <a:noFill/>
+            </a:ln>
+          </p:spPr>
+          <p:txBody>
+            <a:bodyPr lIns="91425" tIns="91425" rIns="91425" bIns="91425" anchor="t" anchorCtr="0">
+              <a:noAutofit/>
+            </a:bodyPr>
+            <a:lstStyle/>
+            <a:p>
+              <a:pPr lvl="0" rtl="0">
+                <a:spcBef>
+                  <a:spcPts val="0"/>
+                </a:spcBef>
+                <a:buNone/>
+              </a:pPr>
+              <a:r>
+                <a:rPr lang="en-US" sz="2400" dirty="0"/>
+                <a:t>+y</a:t>
+              </a:r>
+            </a:p>
+          </p:txBody>
+        </p:sp>
+      </p:grpSp>
       <p:sp>
         <p:nvSpPr>
           <p:cNvPr id="261" name="Shape 261"/>

--- a/ECE2031Presentation.pptx
+++ b/ECE2031Presentation.pptx
@@ -5,7 +5,7 @@
     <p:sldMasterId id="2147483659" r:id="rId1"/>
   </p:sldMasterIdLst>
   <p:notesMasterIdLst>
-    <p:notesMasterId r:id="rId22"/>
+    <p:notesMasterId r:id="rId23"/>
   </p:notesMasterIdLst>
   <p:sldIdLst>
     <p:sldId id="256" r:id="rId2"/>
@@ -24,10 +24,11 @@
     <p:sldId id="269" r:id="rId15"/>
     <p:sldId id="270" r:id="rId16"/>
     <p:sldId id="271" r:id="rId17"/>
-    <p:sldId id="272" r:id="rId18"/>
-    <p:sldId id="273" r:id="rId19"/>
-    <p:sldId id="274" r:id="rId20"/>
-    <p:sldId id="275" r:id="rId21"/>
+    <p:sldId id="276" r:id="rId18"/>
+    <p:sldId id="272" r:id="rId19"/>
+    <p:sldId id="273" r:id="rId20"/>
+    <p:sldId id="274" r:id="rId21"/>
+    <p:sldId id="275" r:id="rId22"/>
   </p:sldIdLst>
   <p:sldSz cx="9144000" cy="6858000" type="screen4x3"/>
   <p:notesSz cx="7010400" cy="9296400"/>
@@ -2680,7 +2681,7 @@
             </a:pPr>
             <a:fld id="{00000000-1234-1234-1234-123412341234}" type="slidenum">
               <a:rPr lang="en-US"/>
-              <a:t>17</a:t>
+              <a:t>18</a:t>
             </a:fld>
             <a:endParaRPr lang="en-US"/>
           </a:p>
@@ -2833,7 +2834,7 @@
             </a:pPr>
             <a:fld id="{00000000-1234-1234-1234-123412341234}" type="slidenum">
               <a:rPr lang="en-US"/>
-              <a:t>18</a:t>
+              <a:t>19</a:t>
             </a:fld>
             <a:endParaRPr lang="en-US"/>
           </a:p>
@@ -2986,7 +2987,7 @@
             </a:pPr>
             <a:fld id="{00000000-1234-1234-1234-123412341234}" type="slidenum">
               <a:rPr lang="en-US"/>
-              <a:t>19</a:t>
+              <a:t>20</a:t>
             </a:fld>
             <a:endParaRPr lang="en-US"/>
           </a:p>
@@ -3245,7 +3246,7 @@
             </a:pPr>
             <a:fld id="{00000000-1234-1234-1234-123412341234}" type="slidenum">
               <a:rPr lang="en-US"/>
-              <a:t>20</a:t>
+              <a:t>21</a:t>
             </a:fld>
             <a:endParaRPr lang="en-US"/>
           </a:p>
@@ -22609,6 +22610,138 @@
   <p:cSld>
     <p:spTree>
       <p:nvGrpSpPr>
+        <p:cNvPr id="1" name=""/>
+        <p:cNvGrpSpPr/>
+        <p:nvPr/>
+      </p:nvGrpSpPr>
+      <p:grpSpPr>
+        <a:xfrm>
+          <a:off x="0" y="0"/>
+          <a:ext cx="0" cy="0"/>
+          <a:chOff x="0" y="0"/>
+          <a:chExt cx="0" cy="0"/>
+        </a:xfrm>
+      </p:grpSpPr>
+      <p:sp>
+        <p:nvSpPr>
+          <p:cNvPr id="2" name="Title 1"/>
+          <p:cNvSpPr>
+            <a:spLocks noGrp="1"/>
+          </p:cNvSpPr>
+          <p:nvPr>
+            <p:ph type="title"/>
+          </p:nvPr>
+        </p:nvSpPr>
+        <p:spPr/>
+        <p:txBody>
+          <a:bodyPr/>
+          <a:lstStyle/>
+          <a:p>
+            <a:r>
+              <a:rPr lang="en-US" dirty="0" smtClean="0"/>
+              <a:t>Demo Results</a:t>
+            </a:r>
+            <a:endParaRPr lang="en-US" dirty="0"/>
+          </a:p>
+        </p:txBody>
+      </p:sp>
+      <p:sp>
+        <p:nvSpPr>
+          <p:cNvPr id="3" name="Text Placeholder 2"/>
+          <p:cNvSpPr>
+            <a:spLocks noGrp="1"/>
+          </p:cNvSpPr>
+          <p:nvPr>
+            <p:ph type="body" idx="1"/>
+          </p:nvPr>
+        </p:nvSpPr>
+        <p:spPr/>
+        <p:txBody>
+          <a:bodyPr/>
+          <a:lstStyle/>
+          <a:p>
+            <a:endParaRPr lang="en-US" dirty="0"/>
+          </a:p>
+        </p:txBody>
+      </p:sp>
+      <p:sp>
+        <p:nvSpPr>
+          <p:cNvPr id="4" name="Slide Number Placeholder 3"/>
+          <p:cNvSpPr>
+            <a:spLocks noGrp="1"/>
+          </p:cNvSpPr>
+          <p:nvPr>
+            <p:ph type="sldNum" idx="12"/>
+          </p:nvPr>
+        </p:nvSpPr>
+        <p:spPr/>
+        <p:txBody>
+          <a:bodyPr/>
+          <a:lstStyle/>
+          <a:p>
+            <a:pPr marL="0" marR="0" lvl="0" indent="0" algn="r" rtl="0">
+              <a:spcBef>
+                <a:spcPts val="0"/>
+              </a:spcBef>
+              <a:spcAft>
+                <a:spcPts val="0"/>
+              </a:spcAft>
+              <a:buClr>
+                <a:schemeClr val="dk1"/>
+              </a:buClr>
+              <a:buSzPct val="25000"/>
+              <a:buFont typeface="Noto Sans Symbols"/>
+              <a:buNone/>
+            </a:pPr>
+            <a:fld id="{00000000-1234-1234-1234-123412341234}" type="slidenum">
+              <a:rPr lang="en-US" sz="1000" smtClean="0">
+                <a:solidFill>
+                  <a:schemeClr val="dk1"/>
+                </a:solidFill>
+                <a:latin typeface="Arial"/>
+                <a:ea typeface="Arial"/>
+                <a:cs typeface="Arial"/>
+                <a:sym typeface="Arial"/>
+              </a:rPr>
+              <a:t>17</a:t>
+            </a:fld>
+            <a:endParaRPr lang="en-US" sz="1000">
+              <a:solidFill>
+                <a:schemeClr val="dk1"/>
+              </a:solidFill>
+              <a:latin typeface="Arial"/>
+              <a:ea typeface="Arial"/>
+              <a:cs typeface="Arial"/>
+              <a:sym typeface="Arial"/>
+            </a:endParaRPr>
+          </a:p>
+        </p:txBody>
+      </p:sp>
+    </p:spTree>
+    <p:extLst>
+      <p:ext uri="{BB962C8B-B14F-4D97-AF65-F5344CB8AC3E}">
+        <p14:creationId xmlns:p14="http://schemas.microsoft.com/office/powerpoint/2010/main" val="2298970779"/>
+      </p:ext>
+    </p:extLst>
+  </p:cSld>
+  <p:clrMapOvr>
+    <a:masterClrMapping/>
+  </p:clrMapOvr>
+  <p:timing>
+    <p:tnLst>
+      <p:par>
+        <p:cTn id="1" dur="indefinite" restart="never" nodeType="tmRoot"/>
+      </p:par>
+    </p:tnLst>
+  </p:timing>
+</p:sld>
+</file>
+
+<file path=ppt/slides/slide18.xml><?xml version="1.0" encoding="utf-8"?>
+<p:sld xmlns:a="http://schemas.openxmlformats.org/drawingml/2006/main" xmlns:r="http://schemas.openxmlformats.org/officeDocument/2006/relationships" xmlns:p="http://schemas.openxmlformats.org/presentationml/2006/main">
+  <p:cSld>
+    <p:spTree>
+      <p:nvGrpSpPr>
         <p:cNvPr id="1" name="Shape 317"/>
         <p:cNvGrpSpPr/>
         <p:nvPr/>
@@ -22834,7 +22967,7 @@
                 <a:buFont typeface="Noto Sans Symbols"/>
                 <a:buNone/>
               </a:pPr>
-              <a:t>17</a:t>
+              <a:t>18</a:t>
             </a:fld>
             <a:endParaRPr lang="en-US"/>
           </a:p>
@@ -22855,7 +22988,7 @@
 </p:sld>
 </file>
 
-<file path=ppt/slides/slide18.xml><?xml version="1.0" encoding="utf-8"?>
+<file path=ppt/slides/slide19.xml><?xml version="1.0" encoding="utf-8"?>
 <p:sld xmlns:a="http://schemas.openxmlformats.org/drawingml/2006/main" xmlns:r="http://schemas.openxmlformats.org/officeDocument/2006/relationships" xmlns:p="http://schemas.openxmlformats.org/presentationml/2006/main">
   <p:cSld>
     <p:spTree>
@@ -22957,18 +23090,6 @@
             </a:pPr>
             <a:r>
               <a:rPr lang="en-US" dirty="0"/>
-              <a:t>drift correction in autonomous parking</a:t>
-            </a:r>
-          </a:p>
-          <a:p>
-            <a:pPr marL="1028700" lvl="1" indent="-342900">
-              <a:buClrTx/>
-              <a:buSzPct val="95000"/>
-              <a:buFont typeface="Arial" panose="020B0604020202020204" pitchFamily="34" charset="0"/>
-              <a:buChar char="•"/>
-            </a:pPr>
-            <a:r>
-              <a:rPr lang="en-US" dirty="0"/>
               <a:t>safety stop in semi-autonomous parking</a:t>
             </a:r>
           </a:p>
@@ -22980,8 +23101,28 @@
               <a:buChar char="•"/>
             </a:pPr>
             <a:r>
+              <a:rPr lang="en-US" dirty="0" smtClean="0"/>
+              <a:t>drift </a:t>
+            </a:r>
+            <a:r>
               <a:rPr lang="en-US" dirty="0"/>
-              <a:t>start correction</a:t>
+              <a:t>correction in autonomous parking</a:t>
+            </a:r>
+          </a:p>
+          <a:p>
+            <a:pPr marL="1028700" lvl="1" indent="-342900">
+              <a:buClrTx/>
+              <a:buSzPct val="95000"/>
+              <a:buFont typeface="Arial" panose="020B0604020202020204" pitchFamily="34" charset="0"/>
+              <a:buChar char="•"/>
+            </a:pPr>
+            <a:r>
+              <a:rPr lang="en-US" dirty="0" smtClean="0"/>
+              <a:t>start </a:t>
+            </a:r>
+            <a:r>
+              <a:rPr lang="en-US" dirty="0"/>
+              <a:t>correction</a:t>
             </a:r>
           </a:p>
           <a:p>
@@ -23007,7 +23148,11 @@
             </a:pPr>
             <a:r>
               <a:rPr lang="en-US" dirty="0"/>
-              <a:t>improving speed control to allow for faster parking</a:t>
+              <a:t>improving speed control to allow for faster </a:t>
+            </a:r>
+            <a:r>
+              <a:rPr lang="en-US" dirty="0" smtClean="0"/>
+              <a:t>parking</a:t>
             </a:r>
           </a:p>
         </p:txBody>
@@ -23061,7 +23206,7 @@
                 <a:buFont typeface="Noto Sans Symbols"/>
                 <a:buNone/>
               </a:pPr>
-              <a:t>18</a:t>
+              <a:t>19</a:t>
             </a:fld>
             <a:endParaRPr lang="en-US"/>
           </a:p>
@@ -23206,232 +23351,6 @@
 </p:sld>
 </file>
 
-<file path=ppt/slides/slide19.xml><?xml version="1.0" encoding="utf-8"?>
-<p:sld xmlns:a="http://schemas.openxmlformats.org/drawingml/2006/main" xmlns:r="http://schemas.openxmlformats.org/officeDocument/2006/relationships" xmlns:p="http://schemas.openxmlformats.org/presentationml/2006/main">
-  <p:cSld>
-    <p:spTree>
-      <p:nvGrpSpPr>
-        <p:cNvPr id="1" name="Shape 337"/>
-        <p:cNvGrpSpPr/>
-        <p:nvPr/>
-      </p:nvGrpSpPr>
-      <p:grpSpPr>
-        <a:xfrm>
-          <a:off x="0" y="0"/>
-          <a:ext cx="0" cy="0"/>
-          <a:chOff x="0" y="0"/>
-          <a:chExt cx="0" cy="0"/>
-        </a:xfrm>
-      </p:grpSpPr>
-      <p:sp>
-        <p:nvSpPr>
-          <p:cNvPr id="338" name="Shape 338"/>
-          <p:cNvSpPr txBox="1">
-            <a:spLocks noGrp="1"/>
-          </p:cNvSpPr>
-          <p:nvPr>
-            <p:ph type="title"/>
-          </p:nvPr>
-        </p:nvSpPr>
-        <p:spPr>
-          <a:xfrm>
-            <a:off x="228600" y="228600"/>
-            <a:ext cx="7696200" cy="1295400"/>
-          </a:xfrm>
-          <a:prstGeom prst="rect">
-            <a:avLst/>
-          </a:prstGeom>
-        </p:spPr>
-        <p:txBody>
-          <a:bodyPr lIns="91425" tIns="91425" rIns="91425" bIns="91425" anchor="b" anchorCtr="0">
-            <a:noAutofit/>
-          </a:bodyPr>
-          <a:lstStyle/>
-          <a:p>
-            <a:pPr lvl="0">
-              <a:spcBef>
-                <a:spcPts val="0"/>
-              </a:spcBef>
-              <a:buNone/>
-            </a:pPr>
-            <a:r>
-              <a:rPr lang="en-US"/>
-              <a:t>Conclusions</a:t>
-            </a:r>
-          </a:p>
-        </p:txBody>
-      </p:sp>
-      <p:sp>
-        <p:nvSpPr>
-          <p:cNvPr id="339" name="Shape 339"/>
-          <p:cNvSpPr txBox="1">
-            <a:spLocks noGrp="1"/>
-          </p:cNvSpPr>
-          <p:nvPr>
-            <p:ph type="body" idx="1"/>
-          </p:nvPr>
-        </p:nvSpPr>
-        <p:spPr>
-          <a:xfrm>
-            <a:off x="716654" y="1524000"/>
-            <a:ext cx="7391400" cy="4411800"/>
-          </a:xfrm>
-          <a:prstGeom prst="rect">
-            <a:avLst/>
-          </a:prstGeom>
-        </p:spPr>
-        <p:txBody>
-          <a:bodyPr lIns="91425" tIns="91425" rIns="91425" bIns="91425" anchor="t" anchorCtr="0">
-            <a:noAutofit/>
-          </a:bodyPr>
-          <a:lstStyle/>
-          <a:p>
-            <a:pPr marL="685800" lvl="0" indent="-457200" rtl="0">
-              <a:spcBef>
-                <a:spcPts val="0"/>
-              </a:spcBef>
-              <a:buSzPct val="110000"/>
-              <a:buFont typeface="Arial" panose="020B0604020202020204" pitchFamily="34" charset="0"/>
-              <a:buChar char="•"/>
-            </a:pPr>
-            <a:r>
-              <a:rPr lang="en-US" dirty="0"/>
-              <a:t>Strengths</a:t>
-            </a:r>
-          </a:p>
-          <a:p>
-            <a:pPr marL="1028700" lvl="1" indent="-342900">
-              <a:buClrTx/>
-              <a:buSzPct val="95000"/>
-              <a:buFont typeface="Arial" panose="020B0604020202020204" pitchFamily="34" charset="0"/>
-              <a:buChar char="•"/>
-            </a:pPr>
-            <a:r>
-              <a:rPr lang="en-US" dirty="0"/>
-              <a:t>Intuitive and user friendly control layout</a:t>
-            </a:r>
-          </a:p>
-          <a:p>
-            <a:pPr marL="1028700" lvl="1" indent="-342900">
-              <a:buClrTx/>
-              <a:buSzPct val="95000"/>
-              <a:buFont typeface="Arial" panose="020B0604020202020204" pitchFamily="34" charset="0"/>
-              <a:buChar char="•"/>
-            </a:pPr>
-            <a:r>
-              <a:rPr lang="en-US" dirty="0"/>
-              <a:t>Improved Accuracy through speed reduction</a:t>
-            </a:r>
-          </a:p>
-          <a:p>
-            <a:pPr marL="1028700" lvl="1" indent="-342900">
-              <a:buClrTx/>
-              <a:buSzPct val="95000"/>
-              <a:buFont typeface="Arial" panose="020B0604020202020204" pitchFamily="34" charset="0"/>
-              <a:buChar char="•"/>
-            </a:pPr>
-            <a:r>
-              <a:rPr lang="en-US" dirty="0"/>
-              <a:t>Automatic parking pause and abort</a:t>
-            </a:r>
-          </a:p>
-          <a:p>
-            <a:pPr marL="457200" lvl="0" indent="-457200" rtl="0">
-              <a:spcBef>
-                <a:spcPts val="0"/>
-              </a:spcBef>
-              <a:buSzPct val="110000"/>
-              <a:buFont typeface="Arial" panose="020B0604020202020204" pitchFamily="34" charset="0"/>
-              <a:buChar char="•"/>
-            </a:pPr>
-            <a:endParaRPr dirty="0"/>
-          </a:p>
-          <a:p>
-            <a:pPr marL="685800" lvl="0" indent="-457200" rtl="0">
-              <a:spcBef>
-                <a:spcPts val="0"/>
-              </a:spcBef>
-              <a:buSzPct val="110000"/>
-              <a:buFont typeface="Arial" panose="020B0604020202020204" pitchFamily="34" charset="0"/>
-              <a:buChar char="•"/>
-            </a:pPr>
-            <a:r>
-              <a:rPr lang="en-US" dirty="0"/>
-              <a:t>Simple control instructions for future implementations</a:t>
-            </a:r>
-          </a:p>
-        </p:txBody>
-      </p:sp>
-      <p:sp>
-        <p:nvSpPr>
-          <p:cNvPr id="340" name="Shape 340"/>
-          <p:cNvSpPr txBox="1">
-            <a:spLocks noGrp="1"/>
-          </p:cNvSpPr>
-          <p:nvPr>
-            <p:ph type="sldNum" idx="12"/>
-          </p:nvPr>
-        </p:nvSpPr>
-        <p:spPr>
-          <a:xfrm>
-            <a:off x="6553200" y="6248400"/>
-            <a:ext cx="2133600" cy="457200"/>
-          </a:xfrm>
-          <a:prstGeom prst="rect">
-            <a:avLst/>
-          </a:prstGeom>
-        </p:spPr>
-        <p:txBody>
-          <a:bodyPr lIns="91425" tIns="45700" rIns="91425" bIns="45700" anchor="t" anchorCtr="0">
-            <a:noAutofit/>
-          </a:bodyPr>
-          <a:lstStyle/>
-          <a:p>
-            <a:pPr lvl="0" algn="r">
-              <a:spcBef>
-                <a:spcPts val="0"/>
-              </a:spcBef>
-              <a:buClr>
-                <a:schemeClr val="dk1"/>
-              </a:buClr>
-              <a:buSzPct val="25000"/>
-              <a:buFont typeface="Noto Sans Symbols"/>
-              <a:buNone/>
-            </a:pPr>
-            <a:fld id="{00000000-1234-1234-1234-123412341234}" type="slidenum">
-              <a:rPr lang="en-US"/>
-              <a:pPr lvl="0" algn="r">
-                <a:spcBef>
-                  <a:spcPts val="0"/>
-                </a:spcBef>
-                <a:buClr>
-                  <a:schemeClr val="dk1"/>
-                </a:buClr>
-                <a:buSzPct val="25000"/>
-                <a:buFont typeface="Noto Sans Symbols"/>
-                <a:buNone/>
-              </a:pPr>
-              <a:t>19</a:t>
-            </a:fld>
-            <a:endParaRPr lang="en-US"/>
-          </a:p>
-        </p:txBody>
-      </p:sp>
-    </p:spTree>
-  </p:cSld>
-  <p:clrMapOvr>
-    <a:masterClrMapping/>
-  </p:clrMapOvr>
-  <p:timing>
-    <p:tnLst>
-      <p:par>
-        <p:cTn id="1" dur="indefinite" restart="never" nodeType="tmRoot"/>
-      </p:par>
-    </p:tnLst>
-  </p:timing>
-</p:sld>
-</file>
-
 <file path=ppt/slides/slide2.xml><?xml version="1.0" encoding="utf-8"?>
 <p:sld xmlns:a="http://schemas.openxmlformats.org/drawingml/2006/main" xmlns:r="http://schemas.openxmlformats.org/officeDocument/2006/relationships" xmlns:p="http://schemas.openxmlformats.org/presentationml/2006/main">
   <p:cSld>
@@ -23731,6 +23650,241 @@
   <p:cSld>
     <p:spTree>
       <p:nvGrpSpPr>
+        <p:cNvPr id="1" name="Shape 337"/>
+        <p:cNvGrpSpPr/>
+        <p:nvPr/>
+      </p:nvGrpSpPr>
+      <p:grpSpPr>
+        <a:xfrm>
+          <a:off x="0" y="0"/>
+          <a:ext cx="0" cy="0"/>
+          <a:chOff x="0" y="0"/>
+          <a:chExt cx="0" cy="0"/>
+        </a:xfrm>
+      </p:grpSpPr>
+      <p:sp>
+        <p:nvSpPr>
+          <p:cNvPr id="338" name="Shape 338"/>
+          <p:cNvSpPr txBox="1">
+            <a:spLocks noGrp="1"/>
+          </p:cNvSpPr>
+          <p:nvPr>
+            <p:ph type="title"/>
+          </p:nvPr>
+        </p:nvSpPr>
+        <p:spPr>
+          <a:xfrm>
+            <a:off x="228600" y="228600"/>
+            <a:ext cx="7696200" cy="1295400"/>
+          </a:xfrm>
+          <a:prstGeom prst="rect">
+            <a:avLst/>
+          </a:prstGeom>
+        </p:spPr>
+        <p:txBody>
+          <a:bodyPr lIns="91425" tIns="91425" rIns="91425" bIns="91425" anchor="b" anchorCtr="0">
+            <a:noAutofit/>
+          </a:bodyPr>
+          <a:lstStyle/>
+          <a:p>
+            <a:pPr lvl="0">
+              <a:spcBef>
+                <a:spcPts val="0"/>
+              </a:spcBef>
+              <a:buNone/>
+            </a:pPr>
+            <a:r>
+              <a:rPr lang="en-US"/>
+              <a:t>Conclusions</a:t>
+            </a:r>
+          </a:p>
+        </p:txBody>
+      </p:sp>
+      <p:sp>
+        <p:nvSpPr>
+          <p:cNvPr id="339" name="Shape 339"/>
+          <p:cNvSpPr txBox="1">
+            <a:spLocks noGrp="1"/>
+          </p:cNvSpPr>
+          <p:nvPr>
+            <p:ph type="body" idx="1"/>
+          </p:nvPr>
+        </p:nvSpPr>
+        <p:spPr>
+          <a:xfrm>
+            <a:off x="716654" y="1524000"/>
+            <a:ext cx="7391400" cy="4411800"/>
+          </a:xfrm>
+          <a:prstGeom prst="rect">
+            <a:avLst/>
+          </a:prstGeom>
+        </p:spPr>
+        <p:txBody>
+          <a:bodyPr lIns="91425" tIns="91425" rIns="91425" bIns="91425" anchor="t" anchorCtr="0">
+            <a:noAutofit/>
+          </a:bodyPr>
+          <a:lstStyle/>
+          <a:p>
+            <a:pPr marL="685800" lvl="0" indent="-457200" rtl="0">
+              <a:spcBef>
+                <a:spcPts val="0"/>
+              </a:spcBef>
+              <a:buSzPct val="110000"/>
+              <a:buFont typeface="Arial" panose="020B0604020202020204" pitchFamily="34" charset="0"/>
+              <a:buChar char="•"/>
+            </a:pPr>
+            <a:r>
+              <a:rPr lang="en-US" dirty="0"/>
+              <a:t>Strengths</a:t>
+            </a:r>
+          </a:p>
+          <a:p>
+            <a:pPr marL="1028700" lvl="1" indent="-342900">
+              <a:buClrTx/>
+              <a:buSzPct val="95000"/>
+              <a:buFont typeface="Arial" panose="020B0604020202020204" pitchFamily="34" charset="0"/>
+              <a:buChar char="•"/>
+            </a:pPr>
+            <a:r>
+              <a:rPr lang="en-US" dirty="0"/>
+              <a:t>Intuitive and user friendly control layout</a:t>
+            </a:r>
+          </a:p>
+          <a:p>
+            <a:pPr marL="1028700" lvl="1" indent="-342900">
+              <a:buClrTx/>
+              <a:buSzPct val="95000"/>
+              <a:buFont typeface="Arial" panose="020B0604020202020204" pitchFamily="34" charset="0"/>
+              <a:buChar char="•"/>
+            </a:pPr>
+            <a:r>
+              <a:rPr lang="en-US" dirty="0"/>
+              <a:t>Improved </a:t>
+            </a:r>
+            <a:r>
+              <a:rPr lang="en-US"/>
+              <a:t>Accuracy </a:t>
+            </a:r>
+            <a:endParaRPr lang="en-US" smtClean="0"/>
+          </a:p>
+          <a:p>
+            <a:pPr marL="1028700" lvl="1" indent="-342900">
+              <a:buClrTx/>
+              <a:buSzPct val="95000"/>
+              <a:buFont typeface="Arial" panose="020B0604020202020204" pitchFamily="34" charset="0"/>
+              <a:buChar char="•"/>
+            </a:pPr>
+            <a:r>
+              <a:rPr lang="en-US" smtClean="0"/>
+              <a:t>Automatic </a:t>
+            </a:r>
+            <a:r>
+              <a:rPr lang="en-US" dirty="0"/>
+              <a:t>parking pause and abort</a:t>
+            </a:r>
+          </a:p>
+          <a:p>
+            <a:pPr marL="457200" lvl="0" indent="-457200" rtl="0">
+              <a:spcBef>
+                <a:spcPts val="0"/>
+              </a:spcBef>
+              <a:buSzPct val="110000"/>
+              <a:buFont typeface="Arial" panose="020B0604020202020204" pitchFamily="34" charset="0"/>
+              <a:buChar char="•"/>
+            </a:pPr>
+            <a:endParaRPr dirty="0"/>
+          </a:p>
+          <a:p>
+            <a:pPr marL="685800" lvl="0" indent="-457200" rtl="0">
+              <a:spcBef>
+                <a:spcPts val="0"/>
+              </a:spcBef>
+              <a:buSzPct val="110000"/>
+              <a:buFont typeface="Arial" panose="020B0604020202020204" pitchFamily="34" charset="0"/>
+              <a:buChar char="•"/>
+            </a:pPr>
+            <a:r>
+              <a:rPr lang="en-US" dirty="0"/>
+              <a:t>Simple control instructions for future implementations</a:t>
+            </a:r>
+          </a:p>
+        </p:txBody>
+      </p:sp>
+      <p:sp>
+        <p:nvSpPr>
+          <p:cNvPr id="340" name="Shape 340"/>
+          <p:cNvSpPr txBox="1">
+            <a:spLocks noGrp="1"/>
+          </p:cNvSpPr>
+          <p:nvPr>
+            <p:ph type="sldNum" idx="12"/>
+          </p:nvPr>
+        </p:nvSpPr>
+        <p:spPr>
+          <a:xfrm>
+            <a:off x="6553200" y="6248400"/>
+            <a:ext cx="2133600" cy="457200"/>
+          </a:xfrm>
+          <a:prstGeom prst="rect">
+            <a:avLst/>
+          </a:prstGeom>
+        </p:spPr>
+        <p:txBody>
+          <a:bodyPr lIns="91425" tIns="45700" rIns="91425" bIns="45700" anchor="t" anchorCtr="0">
+            <a:noAutofit/>
+          </a:bodyPr>
+          <a:lstStyle/>
+          <a:p>
+            <a:pPr lvl="0" algn="r">
+              <a:spcBef>
+                <a:spcPts val="0"/>
+              </a:spcBef>
+              <a:buClr>
+                <a:schemeClr val="dk1"/>
+              </a:buClr>
+              <a:buSzPct val="25000"/>
+              <a:buFont typeface="Noto Sans Symbols"/>
+              <a:buNone/>
+            </a:pPr>
+            <a:fld id="{00000000-1234-1234-1234-123412341234}" type="slidenum">
+              <a:rPr lang="en-US"/>
+              <a:pPr lvl="0" algn="r">
+                <a:spcBef>
+                  <a:spcPts val="0"/>
+                </a:spcBef>
+                <a:buClr>
+                  <a:schemeClr val="dk1"/>
+                </a:buClr>
+                <a:buSzPct val="25000"/>
+                <a:buFont typeface="Noto Sans Symbols"/>
+                <a:buNone/>
+              </a:pPr>
+              <a:t>20</a:t>
+            </a:fld>
+            <a:endParaRPr lang="en-US"/>
+          </a:p>
+        </p:txBody>
+      </p:sp>
+    </p:spTree>
+  </p:cSld>
+  <p:clrMapOvr>
+    <a:masterClrMapping/>
+  </p:clrMapOvr>
+  <p:timing>
+    <p:tnLst>
+      <p:par>
+        <p:cTn id="1" dur="indefinite" restart="never" nodeType="tmRoot"/>
+      </p:par>
+    </p:tnLst>
+  </p:timing>
+</p:sld>
+</file>
+
+<file path=ppt/slides/slide21.xml><?xml version="1.0" encoding="utf-8"?>
+<p:sld xmlns:a="http://schemas.openxmlformats.org/drawingml/2006/main" xmlns:r="http://schemas.openxmlformats.org/officeDocument/2006/relationships" xmlns:p="http://schemas.openxmlformats.org/presentationml/2006/main">
+  <p:cSld>
+    <p:spTree>
+      <p:nvGrpSpPr>
         <p:cNvPr id="1" name="Shape 345"/>
         <p:cNvGrpSpPr/>
         <p:nvPr/>
@@ -23830,7 +23984,7 @@
                 <a:buFont typeface="Noto Sans Symbols"/>
                 <a:buNone/>
               </a:pPr>
-              <a:t>20</a:t>
+              <a:t>21</a:t>
             </a:fld>
             <a:endParaRPr lang="en-US"/>
           </a:p>

--- a/ECE2031Presentation.pptx
+++ b/ECE2031Presentation.pptx
@@ -23147,8 +23147,12 @@
               <a:buChar char="•"/>
             </a:pPr>
             <a:r>
+              <a:rPr lang="en-US" smtClean="0"/>
+              <a:t>Accommodating </a:t>
+            </a:r>
+            <a:r>
               <a:rPr lang="en-US" dirty="0"/>
-              <a:t>improving speed control to allow for faster </a:t>
+              <a:t>to allow for faster </a:t>
             </a:r>
             <a:r>
               <a:rPr lang="en-US" dirty="0" smtClean="0"/>
@@ -23758,14 +23762,14 @@
               <a:buChar char="•"/>
             </a:pPr>
             <a:r>
-              <a:rPr lang="en-US" dirty="0"/>
-              <a:t>Improved </a:t>
+              <a:rPr lang="en-US" dirty="0" smtClean="0"/>
+              <a:t>High </a:t>
             </a:r>
             <a:r>
-              <a:rPr lang="en-US"/>
+              <a:rPr lang="en-US" dirty="0"/>
               <a:t>Accuracy </a:t>
             </a:r>
-            <a:endParaRPr lang="en-US" smtClean="0"/>
+            <a:endParaRPr lang="en-US" dirty="0" smtClean="0"/>
           </a:p>
           <a:p>
             <a:pPr marL="1028700" lvl="1" indent="-342900">
@@ -23775,12 +23779,12 @@
               <a:buChar char="•"/>
             </a:pPr>
             <a:r>
-              <a:rPr lang="en-US" smtClean="0"/>
-              <a:t>Automatic </a:t>
+              <a:rPr lang="en-US" dirty="0" smtClean="0"/>
+              <a:t>Parking </a:t>
             </a:r>
             <a:r>
               <a:rPr lang="en-US" dirty="0"/>
-              <a:t>parking pause and abort</a:t>
+              <a:t>pause and abort</a:t>
             </a:r>
           </a:p>
           <a:p>

--- a/ECE2031Presentation.pptx
+++ b/ECE2031Presentation.pptx
@@ -22564,30 +22564,43 @@
       </p:sp>
       <p:pic>
         <p:nvPicPr>
-          <p:cNvPr id="312" name="Shape 312" descr="manualdata.PNG"/>
-          <p:cNvPicPr preferRelativeResize="0"/>
+          <p:cNvPr id="1028" name="Picture 4" descr="data.PNG"/>
+          <p:cNvPicPr>
+            <a:picLocks noChangeAspect="1" noChangeArrowheads="1"/>
+          </p:cNvPicPr>
           <p:nvPr/>
         </p:nvPicPr>
         <p:blipFill>
           <a:blip r:embed="rId3">
-            <a:alphaModFix/>
+            <a:extLst>
+              <a:ext uri="{28A0092B-C50C-407E-A947-70E740481C1C}">
+                <a14:useLocalDpi xmlns:a14="http://schemas.microsoft.com/office/drawing/2010/main" val="0"/>
+              </a:ext>
+            </a:extLst>
           </a:blip>
+          <a:srcRect/>
           <a:stretch>
             <a:fillRect/>
           </a:stretch>
         </p:blipFill>
-        <p:spPr>
+        <p:spPr bwMode="auto">
           <a:xfrm>
-            <a:off x="630575" y="1676399"/>
-            <a:ext cx="6892239" cy="4419599"/>
+            <a:off x="541354" y="1681120"/>
+            <a:ext cx="7282894" cy="4679414"/>
           </a:xfrm>
           <a:prstGeom prst="rect">
             <a:avLst/>
           </a:prstGeom>
           <a:noFill/>
-          <a:ln>
-            <a:noFill/>
-          </a:ln>
+          <a:extLst>
+            <a:ext uri="{909E8E84-426E-40DD-AFC4-6F175D3DCCD1}">
+              <a14:hiddenFill xmlns:a14="http://schemas.microsoft.com/office/drawing/2010/main">
+                <a:solidFill>
+                  <a:srgbClr val="FFFFFF"/>
+                </a:solidFill>
+              </a14:hiddenFill>
+            </a:ext>
+          </a:extLst>
         </p:spPr>
       </p:pic>
     </p:spTree>
@@ -22647,25 +22660,6 @@
       </p:sp>
       <p:sp>
         <p:nvSpPr>
-          <p:cNvPr id="3" name="Text Placeholder 2"/>
-          <p:cNvSpPr>
-            <a:spLocks noGrp="1"/>
-          </p:cNvSpPr>
-          <p:nvPr>
-            <p:ph type="body" idx="1"/>
-          </p:nvPr>
-        </p:nvSpPr>
-        <p:spPr/>
-        <p:txBody>
-          <a:bodyPr/>
-          <a:lstStyle/>
-          <a:p>
-            <a:endParaRPr lang="en-US" dirty="0"/>
-          </a:p>
-        </p:txBody>
-      </p:sp>
-      <p:sp>
-        <p:nvSpPr>
           <p:cNvPr id="4" name="Slide Number Placeholder 3"/>
           <p:cNvSpPr>
             <a:spLocks noGrp="1"/>
@@ -22694,7 +22688,7 @@
               <a:buNone/>
             </a:pPr>
             <a:fld id="{00000000-1234-1234-1234-123412341234}" type="slidenum">
-              <a:rPr lang="en-US" sz="1000" smtClean="0">
+              <a:rPr lang="en-US" smtClean="0">
                 <a:solidFill>
                   <a:schemeClr val="dk1"/>
                 </a:solidFill>
@@ -22705,7 +22699,7 @@
               </a:rPr>
               <a:t>17</a:t>
             </a:fld>
-            <a:endParaRPr lang="en-US" sz="1000">
+            <a:endParaRPr lang="en-US" dirty="0">
               <a:solidFill>
                 <a:schemeClr val="dk1"/>
               </a:solidFill>
@@ -22717,6 +22711,47 @@
           </a:p>
         </p:txBody>
       </p:sp>
+      <p:pic>
+        <p:nvPicPr>
+          <p:cNvPr id="2054" name="Picture 6" descr="DEMO.PNG"/>
+          <p:cNvPicPr>
+            <a:picLocks noChangeAspect="1" noChangeArrowheads="1"/>
+          </p:cNvPicPr>
+          <p:nvPr/>
+        </p:nvPicPr>
+        <p:blipFill>
+          <a:blip r:embed="rId2">
+            <a:extLst>
+              <a:ext uri="{28A0092B-C50C-407E-A947-70E740481C1C}">
+                <a14:useLocalDpi xmlns:a14="http://schemas.microsoft.com/office/drawing/2010/main" val="0"/>
+              </a:ext>
+            </a:extLst>
+          </a:blip>
+          <a:srcRect/>
+          <a:stretch>
+            <a:fillRect/>
+          </a:stretch>
+        </p:blipFill>
+        <p:spPr bwMode="auto">
+          <a:xfrm>
+            <a:off x="228600" y="2472058"/>
+            <a:ext cx="7874000" cy="2455902"/>
+          </a:xfrm>
+          <a:prstGeom prst="rect">
+            <a:avLst/>
+          </a:prstGeom>
+          <a:noFill/>
+          <a:extLst>
+            <a:ext uri="{909E8E84-426E-40DD-AFC4-6F175D3DCCD1}">
+              <a14:hiddenFill xmlns:a14="http://schemas.microsoft.com/office/drawing/2010/main">
+                <a:solidFill>
+                  <a:srgbClr val="FFFFFF"/>
+                </a:solidFill>
+              </a14:hiddenFill>
+            </a:ext>
+          </a:extLst>
+        </p:spPr>
+      </p:pic>
     </p:spTree>
     <p:extLst>
       <p:ext uri="{BB962C8B-B14F-4D97-AF65-F5344CB8AC3E}">
@@ -22969,7 +23004,7 @@
               </a:pPr>
               <a:t>18</a:t>
             </a:fld>
-            <a:endParaRPr lang="en-US"/>
+            <a:endParaRPr lang="en-US" dirty="0"/>
           </a:p>
         </p:txBody>
       </p:sp>
